--- a/01_studies/01_Laborstudie ProVisioNET/Akquise/ProVisioNET_Poster_Studierende.pptx
+++ b/01_studies/01_Laborstudie ProVisioNET/Akquise/ProVisioNET_Poster_Studierende.pptx
@@ -133,6 +133,116 @@
 </p:cmAuthorLst>
 </file>
 
+<file path=ppt/changesInfos/changesInfo1.xml><?xml version="1.0" encoding="utf-8"?>
+<pc:chgInfo xmlns:a="http://schemas.openxmlformats.org/drawingml/2006/main" xmlns:r="http://schemas.openxmlformats.org/officeDocument/2006/relationships" xmlns:ac="http://schemas.microsoft.com/office/drawing/2013/main/command" xmlns:pc="http://schemas.microsoft.com/office/powerpoint/2013/main/command">
+  <pc:docChgLst>
+    <pc:chgData userId="505858402c07da9d" providerId="LiveId" clId="{4F17A4D1-C972-4AFE-9081-EEF19070C400}"/>
+    <pc:docChg chg="undo custSel modSld modMainMaster">
+      <pc:chgData name="" userId="505858402c07da9d" providerId="LiveId" clId="{4F17A4D1-C972-4AFE-9081-EEF19070C400}" dt="2022-01-11T19:55:03.554" v="226" actId="1076"/>
+      <pc:docMkLst>
+        <pc:docMk/>
+      </pc:docMkLst>
+      <pc:sldChg chg="addSp delSp modSp">
+        <pc:chgData name="" userId="505858402c07da9d" providerId="LiveId" clId="{4F17A4D1-C972-4AFE-9081-EEF19070C400}" dt="2022-01-11T19:55:03.554" v="226" actId="1076"/>
+        <pc:sldMkLst>
+          <pc:docMk/>
+          <pc:sldMk cId="226598215" sldId="261"/>
+        </pc:sldMkLst>
+        <pc:spChg chg="add mod">
+          <ac:chgData name="" userId="505858402c07da9d" providerId="LiveId" clId="{4F17A4D1-C972-4AFE-9081-EEF19070C400}" dt="2022-01-11T19:55:03.554" v="226" actId="1076"/>
+          <ac:spMkLst>
+            <pc:docMk/>
+            <pc:sldMk cId="226598215" sldId="261"/>
+            <ac:spMk id="3" creationId="{31C6EF15-1C3D-4BAB-A554-3E4D62180E46}"/>
+          </ac:spMkLst>
+        </pc:spChg>
+        <pc:spChg chg="mod">
+          <ac:chgData name="" userId="505858402c07da9d" providerId="LiveId" clId="{4F17A4D1-C972-4AFE-9081-EEF19070C400}" dt="2022-01-11T19:47:45.989" v="2" actId="2711"/>
+          <ac:spMkLst>
+            <pc:docMk/>
+            <pc:sldMk cId="226598215" sldId="261"/>
+            <ac:spMk id="18" creationId="{7C6BBA8F-C99A-452C-83E3-7A79D8EE45F8}"/>
+          </ac:spMkLst>
+        </pc:spChg>
+        <pc:spChg chg="mod">
+          <ac:chgData name="" userId="505858402c07da9d" providerId="LiveId" clId="{4F17A4D1-C972-4AFE-9081-EEF19070C400}" dt="2022-01-11T19:47:58.891" v="4" actId="20578"/>
+          <ac:spMkLst>
+            <pc:docMk/>
+            <pc:sldMk cId="226598215" sldId="261"/>
+            <ac:spMk id="51" creationId="{3BF0570F-E94C-493C-AD2F-F6801332E4CC}"/>
+          </ac:spMkLst>
+        </pc:spChg>
+        <pc:spChg chg="del mod">
+          <ac:chgData name="" userId="505858402c07da9d" providerId="LiveId" clId="{4F17A4D1-C972-4AFE-9081-EEF19070C400}" dt="2022-01-11T19:54:16.305" v="183" actId="478"/>
+          <ac:spMkLst>
+            <pc:docMk/>
+            <pc:sldMk cId="226598215" sldId="261"/>
+            <ac:spMk id="105" creationId="{5A17AC99-9B73-499C-AD7A-E657A22D0796}"/>
+          </ac:spMkLst>
+        </pc:spChg>
+        <pc:grpChg chg="mod">
+          <ac:chgData name="" userId="505858402c07da9d" providerId="LiveId" clId="{4F17A4D1-C972-4AFE-9081-EEF19070C400}" dt="2022-01-11T19:47:58.891" v="4" actId="20578"/>
+          <ac:grpSpMkLst>
+            <pc:docMk/>
+            <pc:sldMk cId="226598215" sldId="261"/>
+            <ac:grpSpMk id="104" creationId="{1625A990-2F40-4DFD-932B-58E06204BE37}"/>
+          </ac:grpSpMkLst>
+        </pc:grpChg>
+        <pc:picChg chg="mod">
+          <ac:chgData name="" userId="505858402c07da9d" providerId="LiveId" clId="{4F17A4D1-C972-4AFE-9081-EEF19070C400}" dt="2022-01-11T19:55:01.022" v="225" actId="1076"/>
+          <ac:picMkLst>
+            <pc:docMk/>
+            <pc:sldMk cId="226598215" sldId="261"/>
+            <ac:picMk id="60" creationId="{561C2D10-D1A9-4A02-A69A-4AE8CE28A630}"/>
+          </ac:picMkLst>
+        </pc:picChg>
+        <pc:picChg chg="mod">
+          <ac:chgData name="" userId="505858402c07da9d" providerId="LiveId" clId="{4F17A4D1-C972-4AFE-9081-EEF19070C400}" dt="2022-01-11T19:54:56.733" v="224" actId="1076"/>
+          <ac:picMkLst>
+            <pc:docMk/>
+            <pc:sldMk cId="226598215" sldId="261"/>
+            <ac:picMk id="62" creationId="{946449AD-7144-416D-9698-141888AB8A4F}"/>
+          </ac:picMkLst>
+        </pc:picChg>
+      </pc:sldChg>
+      <pc:sldMasterChg chg="modSldLayout">
+        <pc:chgData name="" userId="505858402c07da9d" providerId="LiveId" clId="{4F17A4D1-C972-4AFE-9081-EEF19070C400}" dt="2022-01-11T19:51:21.191" v="11" actId="167"/>
+        <pc:sldMasterMkLst>
+          <pc:docMk/>
+          <pc:sldMasterMk cId="934604204" sldId="2147483660"/>
+        </pc:sldMasterMkLst>
+        <pc:sldLayoutChg chg="modSp">
+          <pc:chgData name="" userId="505858402c07da9d" providerId="LiveId" clId="{4F17A4D1-C972-4AFE-9081-EEF19070C400}" dt="2022-01-11T19:51:21.191" v="11" actId="167"/>
+          <pc:sldLayoutMkLst>
+            <pc:docMk/>
+            <pc:sldMasterMk cId="934604204" sldId="2147483660"/>
+            <pc:sldLayoutMk cId="3996351328" sldId="2147483661"/>
+          </pc:sldLayoutMkLst>
+          <pc:picChg chg="mod ord">
+            <ac:chgData name="" userId="505858402c07da9d" providerId="LiveId" clId="{4F17A4D1-C972-4AFE-9081-EEF19070C400}" dt="2022-01-11T19:51:21.191" v="11" actId="167"/>
+            <ac:picMkLst>
+              <pc:docMk/>
+              <pc:sldMasterMk cId="934604204" sldId="2147483660"/>
+              <pc:sldLayoutMk cId="3996351328" sldId="2147483661"/>
+              <ac:picMk id="10" creationId="{9E465BD7-2AF0-4F36-B79E-0BB36B313455}"/>
+            </ac:picMkLst>
+          </pc:picChg>
+          <pc:picChg chg="ord">
+            <ac:chgData name="" userId="505858402c07da9d" providerId="LiveId" clId="{4F17A4D1-C972-4AFE-9081-EEF19070C400}" dt="2022-01-11T19:51:11.730" v="6" actId="167"/>
+            <ac:picMkLst>
+              <pc:docMk/>
+              <pc:sldMasterMk cId="934604204" sldId="2147483660"/>
+              <pc:sldLayoutMk cId="3996351328" sldId="2147483661"/>
+              <ac:picMk id="12" creationId="{00000000-0000-0000-0000-000000000000}"/>
+            </ac:picMkLst>
+          </pc:picChg>
+        </pc:sldLayoutChg>
+      </pc:sldMasterChg>
+    </pc:docChg>
+  </pc:docChgLst>
+</pc:chgInfo>
+</file>
+
 <file path=ppt/handoutMasters/handoutMaster1.xml><?xml version="1.0" encoding="utf-8"?>
 <p:handoutMaster xmlns:a="http://schemas.openxmlformats.org/drawingml/2006/main" xmlns:r="http://schemas.openxmlformats.org/officeDocument/2006/relationships" xmlns:p="http://schemas.openxmlformats.org/presentationml/2006/main">
   <p:cSld>
@@ -227,7 +337,7 @@
           <a:p>
             <a:fld id="{79037448-365F-4BC4-9AAC-969B1DF37587}" type="datetimeFigureOut">
               <a:rPr lang="de-DE" smtClean="0"/>
-              <a:t>08.01.2022</a:t>
+              <a:t>11.01.2022</a:t>
             </a:fld>
             <a:endParaRPr lang="de-DE"/>
           </a:p>
@@ -404,7 +514,7 @@
           <a:p>
             <a:fld id="{C300DDCA-42E4-48B0-9B7B-FE02D25AD1C8}" type="datetimeFigureOut">
               <a:rPr lang="de-DE" smtClean="0"/>
-              <a:t>08.01.2022</a:t>
+              <a:t>11.01.2022</a:t>
             </a:fld>
             <a:endParaRPr lang="de-DE"/>
           </a:p>
@@ -1777,8 +1887,8 @@
         </p:blipFill>
         <p:spPr>
           <a:xfrm>
-            <a:off x="4378862" y="12877800"/>
-            <a:ext cx="4860388" cy="2241550"/>
+            <a:off x="4621930" y="13553954"/>
+            <a:ext cx="3394273" cy="1565396"/>
           </a:xfrm>
           <a:prstGeom prst="rect">
             <a:avLst/>
@@ -4230,58 +4340,6 @@
       </p:grpSp>
       <p:sp>
         <p:nvSpPr>
-          <p:cNvPr id="105" name="Textfeld 104">
-            <a:extLst>
-              <a:ext uri="{FF2B5EF4-FFF2-40B4-BE49-F238E27FC236}">
-                <a16:creationId xmlns:a16="http://schemas.microsoft.com/office/drawing/2014/main" id="{5A17AC99-9B73-499C-AD7A-E657A22D0796}"/>
-              </a:ext>
-            </a:extLst>
-          </p:cNvPr>
-          <p:cNvSpPr txBox="1"/>
-          <p:nvPr/>
-        </p:nvSpPr>
-        <p:spPr>
-          <a:xfrm>
-            <a:off x="1877502" y="11546152"/>
-            <a:ext cx="5079237" cy="584775"/>
-          </a:xfrm>
-          <a:prstGeom prst="rect">
-            <a:avLst/>
-          </a:prstGeom>
-          <a:noFill/>
-          <a:effectLst>
-            <a:glow>
-              <a:schemeClr val="accent5">
-                <a:satMod val="175000"/>
-              </a:schemeClr>
-            </a:glow>
-          </a:effectLst>
-        </p:spPr>
-        <p:txBody>
-          <a:bodyPr wrap="square" rtlCol="0">
-            <a:spAutoFit/>
-          </a:bodyPr>
-          <a:lstStyle/>
-          <a:p>
-            <a:pPr algn="r"/>
-            <a:r>
-              <a:rPr lang="de-DE" sz="3200" b="1" cap="small" dirty="0">
-                <a:ln w="0"/>
-                <a:effectLst>
-                  <a:outerShdw blurRad="38100" dist="25400" dir="5400000" algn="ctr" rotWithShape="0">
-                    <a:srgbClr val="6E747A">
-                      <a:alpha val="43000"/>
-                    </a:srgbClr>
-                  </a:outerShdw>
-                </a:effectLst>
-              </a:rPr>
-              <a:t>Sei dabei </a:t>
-            </a:r>
-          </a:p>
-        </p:txBody>
-      </p:sp>
-      <p:sp>
-        <p:nvSpPr>
           <p:cNvPr id="109" name="Textfeld 108">
             <a:extLst>
               <a:ext uri="{FF2B5EF4-FFF2-40B4-BE49-F238E27FC236}">
@@ -4767,7 +4825,7 @@
         </p:blipFill>
         <p:spPr>
           <a:xfrm rot="10800000">
-            <a:off x="6499865" y="12159283"/>
+            <a:off x="6020187" y="12303750"/>
             <a:ext cx="914400" cy="914400"/>
           </a:xfrm>
           <a:prstGeom prst="rect">
@@ -4893,14 +4951,49 @@
         </p:blipFill>
         <p:spPr>
           <a:xfrm>
-            <a:off x="7545548" y="11178802"/>
-            <a:ext cx="1970274" cy="1970274"/>
+            <a:off x="7439622" y="11072604"/>
+            <a:ext cx="2554763" cy="2554763"/>
           </a:xfrm>
           <a:prstGeom prst="rect">
             <a:avLst/>
           </a:prstGeom>
         </p:spPr>
       </p:pic>
+      <p:sp>
+        <p:nvSpPr>
+          <p:cNvPr id="3" name="Rechteck 2">
+            <a:extLst>
+              <a:ext uri="{FF2B5EF4-FFF2-40B4-BE49-F238E27FC236}">
+                <a16:creationId xmlns:a16="http://schemas.microsoft.com/office/drawing/2014/main" id="{31C6EF15-1C3D-4BAB-A554-3E4D62180E46}"/>
+              </a:ext>
+            </a:extLst>
+          </p:cNvPr>
+          <p:cNvSpPr/>
+          <p:nvPr/>
+        </p:nvSpPr>
+        <p:spPr>
+          <a:xfrm>
+            <a:off x="4459266" y="11585615"/>
+            <a:ext cx="2656496" cy="707886"/>
+          </a:xfrm>
+          <a:prstGeom prst="rect">
+            <a:avLst/>
+          </a:prstGeom>
+        </p:spPr>
+        <p:txBody>
+          <a:bodyPr wrap="none">
+            <a:spAutoFit/>
+          </a:bodyPr>
+          <a:lstStyle/>
+          <a:p>
+            <a:r>
+              <a:rPr lang="de-DE" sz="4000" b="1" dirty="0"/>
+              <a:t>Sei dabei!</a:t>
+            </a:r>
+            <a:endParaRPr lang="de-DE" sz="3600" b="1" dirty="0"/>
+          </a:p>
+        </p:txBody>
+      </p:sp>
     </p:spTree>
     <p:extLst>
       <p:ext uri="{BB962C8B-B14F-4D97-AF65-F5344CB8AC3E}">

--- a/01_studies/01_Laborstudie ProVisioNET/Akquise/ProVisioNET_Poster_Studierende.pptx
+++ b/01_studies/01_Laborstudie ProVisioNET/Akquise/ProVisioNET_Poster_Studierende.pptx
@@ -133,116 +133,6 @@
 </p:cmAuthorLst>
 </file>
 
-<file path=ppt/changesInfos/changesInfo1.xml><?xml version="1.0" encoding="utf-8"?>
-<pc:chgInfo xmlns:a="http://schemas.openxmlformats.org/drawingml/2006/main" xmlns:r="http://schemas.openxmlformats.org/officeDocument/2006/relationships" xmlns:ac="http://schemas.microsoft.com/office/drawing/2013/main/command" xmlns:pc="http://schemas.microsoft.com/office/powerpoint/2013/main/command">
-  <pc:docChgLst>
-    <pc:chgData userId="505858402c07da9d" providerId="LiveId" clId="{4F17A4D1-C972-4AFE-9081-EEF19070C400}"/>
-    <pc:docChg chg="undo custSel modSld modMainMaster">
-      <pc:chgData name="" userId="505858402c07da9d" providerId="LiveId" clId="{4F17A4D1-C972-4AFE-9081-EEF19070C400}" dt="2022-01-11T19:55:03.554" v="226" actId="1076"/>
-      <pc:docMkLst>
-        <pc:docMk/>
-      </pc:docMkLst>
-      <pc:sldChg chg="addSp delSp modSp">
-        <pc:chgData name="" userId="505858402c07da9d" providerId="LiveId" clId="{4F17A4D1-C972-4AFE-9081-EEF19070C400}" dt="2022-01-11T19:55:03.554" v="226" actId="1076"/>
-        <pc:sldMkLst>
-          <pc:docMk/>
-          <pc:sldMk cId="226598215" sldId="261"/>
-        </pc:sldMkLst>
-        <pc:spChg chg="add mod">
-          <ac:chgData name="" userId="505858402c07da9d" providerId="LiveId" clId="{4F17A4D1-C972-4AFE-9081-EEF19070C400}" dt="2022-01-11T19:55:03.554" v="226" actId="1076"/>
-          <ac:spMkLst>
-            <pc:docMk/>
-            <pc:sldMk cId="226598215" sldId="261"/>
-            <ac:spMk id="3" creationId="{31C6EF15-1C3D-4BAB-A554-3E4D62180E46}"/>
-          </ac:spMkLst>
-        </pc:spChg>
-        <pc:spChg chg="mod">
-          <ac:chgData name="" userId="505858402c07da9d" providerId="LiveId" clId="{4F17A4D1-C972-4AFE-9081-EEF19070C400}" dt="2022-01-11T19:47:45.989" v="2" actId="2711"/>
-          <ac:spMkLst>
-            <pc:docMk/>
-            <pc:sldMk cId="226598215" sldId="261"/>
-            <ac:spMk id="18" creationId="{7C6BBA8F-C99A-452C-83E3-7A79D8EE45F8}"/>
-          </ac:spMkLst>
-        </pc:spChg>
-        <pc:spChg chg="mod">
-          <ac:chgData name="" userId="505858402c07da9d" providerId="LiveId" clId="{4F17A4D1-C972-4AFE-9081-EEF19070C400}" dt="2022-01-11T19:47:58.891" v="4" actId="20578"/>
-          <ac:spMkLst>
-            <pc:docMk/>
-            <pc:sldMk cId="226598215" sldId="261"/>
-            <ac:spMk id="51" creationId="{3BF0570F-E94C-493C-AD2F-F6801332E4CC}"/>
-          </ac:spMkLst>
-        </pc:spChg>
-        <pc:spChg chg="del mod">
-          <ac:chgData name="" userId="505858402c07da9d" providerId="LiveId" clId="{4F17A4D1-C972-4AFE-9081-EEF19070C400}" dt="2022-01-11T19:54:16.305" v="183" actId="478"/>
-          <ac:spMkLst>
-            <pc:docMk/>
-            <pc:sldMk cId="226598215" sldId="261"/>
-            <ac:spMk id="105" creationId="{5A17AC99-9B73-499C-AD7A-E657A22D0796}"/>
-          </ac:spMkLst>
-        </pc:spChg>
-        <pc:grpChg chg="mod">
-          <ac:chgData name="" userId="505858402c07da9d" providerId="LiveId" clId="{4F17A4D1-C972-4AFE-9081-EEF19070C400}" dt="2022-01-11T19:47:58.891" v="4" actId="20578"/>
-          <ac:grpSpMkLst>
-            <pc:docMk/>
-            <pc:sldMk cId="226598215" sldId="261"/>
-            <ac:grpSpMk id="104" creationId="{1625A990-2F40-4DFD-932B-58E06204BE37}"/>
-          </ac:grpSpMkLst>
-        </pc:grpChg>
-        <pc:picChg chg="mod">
-          <ac:chgData name="" userId="505858402c07da9d" providerId="LiveId" clId="{4F17A4D1-C972-4AFE-9081-EEF19070C400}" dt="2022-01-11T19:55:01.022" v="225" actId="1076"/>
-          <ac:picMkLst>
-            <pc:docMk/>
-            <pc:sldMk cId="226598215" sldId="261"/>
-            <ac:picMk id="60" creationId="{561C2D10-D1A9-4A02-A69A-4AE8CE28A630}"/>
-          </ac:picMkLst>
-        </pc:picChg>
-        <pc:picChg chg="mod">
-          <ac:chgData name="" userId="505858402c07da9d" providerId="LiveId" clId="{4F17A4D1-C972-4AFE-9081-EEF19070C400}" dt="2022-01-11T19:54:56.733" v="224" actId="1076"/>
-          <ac:picMkLst>
-            <pc:docMk/>
-            <pc:sldMk cId="226598215" sldId="261"/>
-            <ac:picMk id="62" creationId="{946449AD-7144-416D-9698-141888AB8A4F}"/>
-          </ac:picMkLst>
-        </pc:picChg>
-      </pc:sldChg>
-      <pc:sldMasterChg chg="modSldLayout">
-        <pc:chgData name="" userId="505858402c07da9d" providerId="LiveId" clId="{4F17A4D1-C972-4AFE-9081-EEF19070C400}" dt="2022-01-11T19:51:21.191" v="11" actId="167"/>
-        <pc:sldMasterMkLst>
-          <pc:docMk/>
-          <pc:sldMasterMk cId="934604204" sldId="2147483660"/>
-        </pc:sldMasterMkLst>
-        <pc:sldLayoutChg chg="modSp">
-          <pc:chgData name="" userId="505858402c07da9d" providerId="LiveId" clId="{4F17A4D1-C972-4AFE-9081-EEF19070C400}" dt="2022-01-11T19:51:21.191" v="11" actId="167"/>
-          <pc:sldLayoutMkLst>
-            <pc:docMk/>
-            <pc:sldMasterMk cId="934604204" sldId="2147483660"/>
-            <pc:sldLayoutMk cId="3996351328" sldId="2147483661"/>
-          </pc:sldLayoutMkLst>
-          <pc:picChg chg="mod ord">
-            <ac:chgData name="" userId="505858402c07da9d" providerId="LiveId" clId="{4F17A4D1-C972-4AFE-9081-EEF19070C400}" dt="2022-01-11T19:51:21.191" v="11" actId="167"/>
-            <ac:picMkLst>
-              <pc:docMk/>
-              <pc:sldMasterMk cId="934604204" sldId="2147483660"/>
-              <pc:sldLayoutMk cId="3996351328" sldId="2147483661"/>
-              <ac:picMk id="10" creationId="{9E465BD7-2AF0-4F36-B79E-0BB36B313455}"/>
-            </ac:picMkLst>
-          </pc:picChg>
-          <pc:picChg chg="ord">
-            <ac:chgData name="" userId="505858402c07da9d" providerId="LiveId" clId="{4F17A4D1-C972-4AFE-9081-EEF19070C400}" dt="2022-01-11T19:51:11.730" v="6" actId="167"/>
-            <ac:picMkLst>
-              <pc:docMk/>
-              <pc:sldMasterMk cId="934604204" sldId="2147483660"/>
-              <pc:sldLayoutMk cId="3996351328" sldId="2147483661"/>
-              <ac:picMk id="12" creationId="{00000000-0000-0000-0000-000000000000}"/>
-            </ac:picMkLst>
-          </pc:picChg>
-        </pc:sldLayoutChg>
-      </pc:sldMasterChg>
-    </pc:docChg>
-  </pc:docChgLst>
-</pc:chgInfo>
-</file>
-
 <file path=ppt/handoutMasters/handoutMaster1.xml><?xml version="1.0" encoding="utf-8"?>
 <p:handoutMaster xmlns:a="http://schemas.openxmlformats.org/drawingml/2006/main" xmlns:r="http://schemas.openxmlformats.org/officeDocument/2006/relationships" xmlns:p="http://schemas.openxmlformats.org/presentationml/2006/main">
   <p:cSld>
@@ -337,7 +227,7 @@
           <a:p>
             <a:fld id="{79037448-365F-4BC4-9AAC-969B1DF37587}" type="datetimeFigureOut">
               <a:rPr lang="de-DE" smtClean="0"/>
-              <a:t>11.01.2022</a:t>
+              <a:t>27.01.2022</a:t>
             </a:fld>
             <a:endParaRPr lang="de-DE"/>
           </a:p>
@@ -514,7 +404,7 @@
           <a:p>
             <a:fld id="{C300DDCA-42E4-48B0-9B7B-FE02D25AD1C8}" type="datetimeFigureOut">
               <a:rPr lang="de-DE" smtClean="0"/>
-              <a:t>11.01.2022</a:t>
+              <a:t>27.01.2022</a:t>
             </a:fld>
             <a:endParaRPr lang="de-DE"/>
           </a:p>
@@ -1862,41 +1752,6 @@
       </p:grpSpPr>
       <p:pic>
         <p:nvPicPr>
-          <p:cNvPr id="10" name="Grafik 9">
-            <a:extLst>
-              <a:ext uri="{FF2B5EF4-FFF2-40B4-BE49-F238E27FC236}">
-                <a16:creationId xmlns:a16="http://schemas.microsoft.com/office/drawing/2014/main" id="{9E465BD7-2AF0-4F36-B79E-0BB36B313455}"/>
-              </a:ext>
-            </a:extLst>
-          </p:cNvPr>
-          <p:cNvPicPr>
-            <a:picLocks noChangeAspect="1"/>
-          </p:cNvPicPr>
-          <p:nvPr userDrawn="1"/>
-        </p:nvPicPr>
-        <p:blipFill rotWithShape="1">
-          <a:blip r:embed="rId2">
-            <a:extLst>
-              <a:ext uri="{28A0092B-C50C-407E-A947-70E740481C1C}">
-                <a14:useLocalDpi xmlns:a14="http://schemas.microsoft.com/office/drawing/2010/main" val="0"/>
-              </a:ext>
-            </a:extLst>
-          </a:blip>
-          <a:srcRect t="8610" b="5818"/>
-          <a:stretch/>
-        </p:blipFill>
-        <p:spPr>
-          <a:xfrm>
-            <a:off x="4621930" y="13553954"/>
-            <a:ext cx="3394273" cy="1565396"/>
-          </a:xfrm>
-          <a:prstGeom prst="rect">
-            <a:avLst/>
-          </a:prstGeom>
-        </p:spPr>
-      </p:pic>
-      <p:pic>
-        <p:nvPicPr>
           <p:cNvPr id="12" name="Grafik 11"/>
           <p:cNvPicPr>
             <a:picLocks noChangeAspect="1"/>
@@ -1904,7 +1759,7 @@
           <p:nvPr userDrawn="1"/>
         </p:nvPicPr>
         <p:blipFill rotWithShape="1">
-          <a:blip r:embed="rId3" cstate="print">
+          <a:blip r:embed="rId2" cstate="print">
             <a:duotone>
               <a:schemeClr val="accent4">
                 <a:shade val="45000"/>
@@ -1925,6 +1780,41 @@
           <a:xfrm>
             <a:off x="0" y="3423290"/>
             <a:ext cx="10691812" cy="11696060"/>
+          </a:xfrm>
+          <a:prstGeom prst="rect">
+            <a:avLst/>
+          </a:prstGeom>
+        </p:spPr>
+      </p:pic>
+      <p:pic>
+        <p:nvPicPr>
+          <p:cNvPr id="10" name="Grafik 9">
+            <a:extLst>
+              <a:ext uri="{FF2B5EF4-FFF2-40B4-BE49-F238E27FC236}">
+                <a16:creationId xmlns:a16="http://schemas.microsoft.com/office/drawing/2014/main" id="{9E465BD7-2AF0-4F36-B79E-0BB36B313455}"/>
+              </a:ext>
+            </a:extLst>
+          </p:cNvPr>
+          <p:cNvPicPr>
+            <a:picLocks noChangeAspect="1"/>
+          </p:cNvPicPr>
+          <p:nvPr userDrawn="1"/>
+        </p:nvPicPr>
+        <p:blipFill rotWithShape="1">
+          <a:blip r:embed="rId3" cstate="print">
+            <a:extLst>
+              <a:ext uri="{28A0092B-C50C-407E-A947-70E740481C1C}">
+                <a14:useLocalDpi xmlns:a14="http://schemas.microsoft.com/office/drawing/2010/main" val="0"/>
+              </a:ext>
+            </a:extLst>
+          </a:blip>
+          <a:srcRect t="8610" b="5818"/>
+          <a:stretch/>
+        </p:blipFill>
+        <p:spPr>
+          <a:xfrm>
+            <a:off x="4940714" y="13734099"/>
+            <a:ext cx="3003661" cy="1385251"/>
           </a:xfrm>
           <a:prstGeom prst="rect">
             <a:avLst/>
@@ -3323,7 +3213,7 @@
                     <a:schemeClr val="bg1"/>
                   </a:solidFill>
                 </a:rPr>
-                <a:t>Eine von dir vorbereitete Unterrichtslektion (15 min) wird durch DEINE eigenen Augen beobachtet &amp; reflektiert.</a:t>
+                <a:t>Eine von Ihnen vorbereitete Unterrichtslektion (15 min) wird durch IHRE eigenen Augen beobachtet &amp; reflektiert.</a:t>
               </a:r>
             </a:p>
           </p:txBody>
@@ -3388,7 +3278,7 @@
                     <a:schemeClr val="bg1"/>
                   </a:solidFill>
                 </a:rPr>
-                <a:t>Dein Blickverhalten wird während der Lektion mit einer Eye-Tracking-Brille aufgezeichnet. Anschließend schauen wir uns dein Video gemeinsam an.</a:t>
+                <a:t>Ihr Blickverhalten wird während der Lektion mit einer Eye-Tracking-Brille aufgezeichnet. Anschließend schauen wir uns Ihr Video gemeinsam an.</a:t>
               </a:r>
               <a:endParaRPr lang="de-DE" sz="900" dirty="0"/>
             </a:p>
@@ -4577,19 +4467,15 @@
           <a:p>
             <a:pPr algn="ctr"/>
             <a:r>
-              <a:rPr lang="de-DE" sz="2400" dirty="0">
-                <a:latin typeface="+mj-lt"/>
-              </a:rPr>
+              <a:rPr lang="de-DE" sz="2400" dirty="0"/>
               <a:t>Du studierst Lehramt &amp; hast Lust, dich in einem entspannten Unterrichtssetting mal auszuprobieren &amp; persönliches Feedback zu deinen Blick- &amp; Verhaltensmustern zu bekommen? </a:t>
             </a:r>
           </a:p>
           <a:p>
             <a:pPr algn="ctr"/>
             <a:r>
-              <a:rPr lang="de-DE" sz="2400" dirty="0">
-                <a:latin typeface="+mj-lt"/>
-              </a:rPr>
-              <a:t>Dann mach mit!</a:t>
+              <a:rPr lang="de-DE" sz="2400" dirty="0"/>
+              <a:t>Dann sei dabei!</a:t>
             </a:r>
           </a:p>
         </p:txBody>
@@ -4611,7 +4497,7 @@
         <p:spPr>
           <a:xfrm>
             <a:off x="0" y="3875558"/>
-            <a:ext cx="10630818" cy="44001"/>
+            <a:ext cx="10691813" cy="41670"/>
           </a:xfrm>
           <a:prstGeom prst="line">
             <a:avLst/>
@@ -4786,47 +4672,8 @@
         </p:blipFill>
         <p:spPr>
           <a:xfrm rot="10800000">
-            <a:off x="8011625" y="660903"/>
-            <a:ext cx="914400" cy="914400"/>
-          </a:xfrm>
-          <a:prstGeom prst="rect">
-            <a:avLst/>
-          </a:prstGeom>
-        </p:spPr>
-      </p:pic>
-      <p:pic>
-        <p:nvPicPr>
-          <p:cNvPr id="62" name="Grafik 61" descr="Zurück">
-            <a:extLst>
-              <a:ext uri="{FF2B5EF4-FFF2-40B4-BE49-F238E27FC236}">
-                <a16:creationId xmlns:a16="http://schemas.microsoft.com/office/drawing/2014/main" id="{946449AD-7144-416D-9698-141888AB8A4F}"/>
-              </a:ext>
-            </a:extLst>
-          </p:cNvPr>
-          <p:cNvPicPr>
-            <a:picLocks noChangeAspect="1"/>
-          </p:cNvPicPr>
-          <p:nvPr/>
-        </p:nvPicPr>
-        <p:blipFill>
-          <a:blip r:embed="rId11">
-            <a:extLst>
-              <a:ext uri="{28A0092B-C50C-407E-A947-70E740481C1C}">
-                <a14:useLocalDpi xmlns:a14="http://schemas.microsoft.com/office/drawing/2010/main" val="0"/>
-              </a:ext>
-              <a:ext uri="{96DAC541-7B7A-43D3-8B79-37D633B846F1}">
-                <asvg:svgBlip xmlns:asvg="http://schemas.microsoft.com/office/drawing/2016/SVG/main" r:embed="rId12"/>
-              </a:ext>
-            </a:extLst>
-          </a:blip>
-          <a:stretch>
-            <a:fillRect/>
-          </a:stretch>
-        </p:blipFill>
-        <p:spPr>
-          <a:xfrm rot="10800000">
-            <a:off x="6020187" y="12303750"/>
-            <a:ext cx="914400" cy="914400"/>
+            <a:off x="8201269" y="704107"/>
+            <a:ext cx="637651" cy="637651"/>
           </a:xfrm>
           <a:prstGeom prst="rect">
             <a:avLst/>
@@ -4849,8 +4696,8 @@
         </p:nvCxnSpPr>
         <p:spPr>
           <a:xfrm flipV="1">
-            <a:off x="9277818" y="13149076"/>
-            <a:ext cx="1433135" cy="1970274"/>
+            <a:off x="8361972" y="13984448"/>
+            <a:ext cx="2486535" cy="1148114"/>
           </a:xfrm>
           <a:prstGeom prst="line">
             <a:avLst/>
@@ -4894,8 +4741,8 @@
         </p:nvCxnSpPr>
         <p:spPr>
           <a:xfrm flipV="1">
-            <a:off x="9727596" y="13760788"/>
-            <a:ext cx="987367" cy="1342814"/>
+            <a:off x="9153059" y="14397542"/>
+            <a:ext cx="1557894" cy="735021"/>
           </a:xfrm>
           <a:prstGeom prst="line">
             <a:avLst/>
@@ -4923,12 +4770,70 @@
           </a:fontRef>
         </p:style>
       </p:cxnSp>
+      <p:sp>
+        <p:nvSpPr>
+          <p:cNvPr id="3" name="Pfeil: nach rechts 2">
+            <a:extLst>
+              <a:ext uri="{FF2B5EF4-FFF2-40B4-BE49-F238E27FC236}">
+                <a16:creationId xmlns:a16="http://schemas.microsoft.com/office/drawing/2014/main" id="{31C6EF15-1C3D-4BAB-A554-3E4D62180E46}"/>
+              </a:ext>
+            </a:extLst>
+          </p:cNvPr>
+          <p:cNvSpPr/>
+          <p:nvPr/>
+        </p:nvSpPr>
+        <p:spPr>
+          <a:xfrm>
+            <a:off x="3074389" y="11416983"/>
+            <a:ext cx="4464917" cy="1895296"/>
+          </a:xfrm>
+          <a:prstGeom prst="rightArrow">
+            <a:avLst>
+              <a:gd name="adj1" fmla="val 50000"/>
+              <a:gd name="adj2" fmla="val 41825"/>
+            </a:avLst>
+          </a:prstGeom>
+          <a:ln w="38100">
+            <a:solidFill>
+              <a:srgbClr val="88AEB8"/>
+            </a:solidFill>
+          </a:ln>
+        </p:spPr>
+        <p:style>
+          <a:lnRef idx="2">
+            <a:schemeClr val="accent4"/>
+          </a:lnRef>
+          <a:fillRef idx="1">
+            <a:schemeClr val="lt1"/>
+          </a:fillRef>
+          <a:effectRef idx="0">
+            <a:schemeClr val="accent4"/>
+          </a:effectRef>
+          <a:fontRef idx="minor">
+            <a:schemeClr val="dk1"/>
+          </a:fontRef>
+        </p:style>
+        <p:txBody>
+          <a:bodyPr wrap="square">
+            <a:spAutoFit/>
+          </a:bodyPr>
+          <a:lstStyle/>
+          <a:p>
+            <a:pPr algn="ctr"/>
+            <a:r>
+              <a:rPr lang="de-DE" sz="2800" b="1" dirty="0"/>
+              <a:t>QR Code scannen &amp; Mail abschicken!</a:t>
+            </a:r>
+            <a:endParaRPr lang="de-DE" sz="2400" b="1" dirty="0"/>
+          </a:p>
+        </p:txBody>
+      </p:sp>
       <p:pic>
         <p:nvPicPr>
-          <p:cNvPr id="60" name="Grafik 59">
+          <p:cNvPr id="35" name="Grafik 34">
             <a:extLst>
               <a:ext uri="{FF2B5EF4-FFF2-40B4-BE49-F238E27FC236}">
-                <a16:creationId xmlns:a16="http://schemas.microsoft.com/office/drawing/2014/main" id="{561C2D10-D1A9-4A02-A69A-4AE8CE28A630}"/>
+                <a16:creationId xmlns:a16="http://schemas.microsoft.com/office/drawing/2014/main" id="{1460CB39-706C-44CA-AE0A-520B72A9035D}"/>
               </a:ext>
             </a:extLst>
           </p:cNvPr>
@@ -4951,49 +4856,19 @@
         </p:blipFill>
         <p:spPr>
           <a:xfrm>
-            <a:off x="7439622" y="11072604"/>
-            <a:ext cx="2554763" cy="2554763"/>
+            <a:off x="7782189" y="11245485"/>
+            <a:ext cx="2469904" cy="2469904"/>
           </a:xfrm>
           <a:prstGeom prst="rect">
             <a:avLst/>
           </a:prstGeom>
+          <a:ln w="28575">
+            <a:solidFill>
+              <a:srgbClr val="D64242"/>
+            </a:solidFill>
+          </a:ln>
         </p:spPr>
       </p:pic>
-      <p:sp>
-        <p:nvSpPr>
-          <p:cNvPr id="3" name="Rechteck 2">
-            <a:extLst>
-              <a:ext uri="{FF2B5EF4-FFF2-40B4-BE49-F238E27FC236}">
-                <a16:creationId xmlns:a16="http://schemas.microsoft.com/office/drawing/2014/main" id="{31C6EF15-1C3D-4BAB-A554-3E4D62180E46}"/>
-              </a:ext>
-            </a:extLst>
-          </p:cNvPr>
-          <p:cNvSpPr/>
-          <p:nvPr/>
-        </p:nvSpPr>
-        <p:spPr>
-          <a:xfrm>
-            <a:off x="4459266" y="11585615"/>
-            <a:ext cx="2656496" cy="707886"/>
-          </a:xfrm>
-          <a:prstGeom prst="rect">
-            <a:avLst/>
-          </a:prstGeom>
-        </p:spPr>
-        <p:txBody>
-          <a:bodyPr wrap="none">
-            <a:spAutoFit/>
-          </a:bodyPr>
-          <a:lstStyle/>
-          <a:p>
-            <a:r>
-              <a:rPr lang="de-DE" sz="4000" b="1" dirty="0"/>
-              <a:t>Sei dabei!</a:t>
-            </a:r>
-            <a:endParaRPr lang="de-DE" sz="3600" b="1" dirty="0"/>
-          </a:p>
-        </p:txBody>
-      </p:sp>
     </p:spTree>
     <p:extLst>
       <p:ext uri="{BB962C8B-B14F-4D97-AF65-F5344CB8AC3E}">

--- a/01_studies/01_Laborstudie ProVisioNET/Akquise/ProVisioNET_Poster_Studierende.pptx
+++ b/01_studies/01_Laborstudie ProVisioNET/Akquise/ProVisioNET_Poster_Studierende.pptx
@@ -133,6 +133,59 @@
 </p:cmAuthorLst>
 </file>
 
+<file path=ppt/changesInfos/changesInfo1.xml><?xml version="1.0" encoding="utf-8"?>
+<pc:chgInfo xmlns:a="http://schemas.openxmlformats.org/drawingml/2006/main" xmlns:r="http://schemas.openxmlformats.org/officeDocument/2006/relationships" xmlns:ac="http://schemas.microsoft.com/office/drawing/2013/main/command" xmlns:pc="http://schemas.microsoft.com/office/powerpoint/2013/main/command">
+  <pc:docChgLst>
+    <pc:chgData userId="505858402c07da9d" providerId="LiveId" clId="{2B99A1CA-6445-4F57-9B48-160486D821A6}"/>
+    <pc:docChg chg="modSld">
+      <pc:chgData name="" userId="505858402c07da9d" providerId="LiveId" clId="{2B99A1CA-6445-4F57-9B48-160486D821A6}" dt="2022-01-28T11:20:54.733" v="40" actId="14100"/>
+      <pc:docMkLst>
+        <pc:docMk/>
+      </pc:docMkLst>
+      <pc:sldChg chg="modSp">
+        <pc:chgData name="" userId="505858402c07da9d" providerId="LiveId" clId="{2B99A1CA-6445-4F57-9B48-160486D821A6}" dt="2022-01-28T11:20:54.733" v="40" actId="14100"/>
+        <pc:sldMkLst>
+          <pc:docMk/>
+          <pc:sldMk cId="226598215" sldId="261"/>
+        </pc:sldMkLst>
+        <pc:spChg chg="mod">
+          <ac:chgData name="" userId="505858402c07da9d" providerId="LiveId" clId="{2B99A1CA-6445-4F57-9B48-160486D821A6}" dt="2022-01-28T10:18:21.111" v="4" actId="113"/>
+          <ac:spMkLst>
+            <pc:docMk/>
+            <pc:sldMk cId="226598215" sldId="261"/>
+            <ac:spMk id="2" creationId="{00000000-0000-0000-0000-000000000000}"/>
+          </ac:spMkLst>
+        </pc:spChg>
+        <pc:spChg chg="mod">
+          <ac:chgData name="" userId="505858402c07da9d" providerId="LiveId" clId="{2B99A1CA-6445-4F57-9B48-160486D821A6}" dt="2022-01-28T11:20:11.701" v="12" actId="20577"/>
+          <ac:spMkLst>
+            <pc:docMk/>
+            <pc:sldMk cId="226598215" sldId="261"/>
+            <ac:spMk id="13" creationId="{7D4361A0-E5D6-4B0C-9BA5-3CA2BC237867}"/>
+          </ac:spMkLst>
+        </pc:spChg>
+        <pc:spChg chg="mod">
+          <ac:chgData name="" userId="505858402c07da9d" providerId="LiveId" clId="{2B99A1CA-6445-4F57-9B48-160486D821A6}" dt="2022-01-28T11:20:33.596" v="38" actId="20577"/>
+          <ac:spMkLst>
+            <pc:docMk/>
+            <pc:sldMk cId="226598215" sldId="261"/>
+            <ac:spMk id="18" creationId="{7C6BBA8F-C99A-452C-83E3-7A79D8EE45F8}"/>
+          </ac:spMkLst>
+        </pc:spChg>
+        <pc:spChg chg="mod">
+          <ac:chgData name="" userId="505858402c07da9d" providerId="LiveId" clId="{2B99A1CA-6445-4F57-9B48-160486D821A6}" dt="2022-01-28T11:20:54.733" v="40" actId="14100"/>
+          <ac:spMkLst>
+            <pc:docMk/>
+            <pc:sldMk cId="226598215" sldId="261"/>
+            <ac:spMk id="21" creationId="{E1195A21-97D8-408A-A55B-932B6E711E0F}"/>
+          </ac:spMkLst>
+        </pc:spChg>
+      </pc:sldChg>
+    </pc:docChg>
+  </pc:docChgLst>
+</pc:chgInfo>
+</file>
+
 <file path=ppt/handoutMasters/handoutMaster1.xml><?xml version="1.0" encoding="utf-8"?>
 <p:handoutMaster xmlns:a="http://schemas.openxmlformats.org/drawingml/2006/main" xmlns:r="http://schemas.openxmlformats.org/officeDocument/2006/relationships" xmlns:p="http://schemas.openxmlformats.org/presentationml/2006/main">
   <p:cSld>
@@ -227,7 +280,7 @@
           <a:p>
             <a:fld id="{79037448-365F-4BC4-9AAC-969B1DF37587}" type="datetimeFigureOut">
               <a:rPr lang="de-DE" smtClean="0"/>
-              <a:t>27.01.2022</a:t>
+              <a:t>28.01.2022</a:t>
             </a:fld>
             <a:endParaRPr lang="de-DE"/>
           </a:p>
@@ -404,7 +457,7 @@
           <a:p>
             <a:fld id="{C300DDCA-42E4-48B0-9B7B-FE02D25AD1C8}" type="datetimeFigureOut">
               <a:rPr lang="de-DE" smtClean="0"/>
-              <a:t>27.01.2022</a:t>
+              <a:t>28.01.2022</a:t>
             </a:fld>
             <a:endParaRPr lang="de-DE"/>
           </a:p>
@@ -2375,11 +2428,7 @@
             </a:r>
             <a:r>
               <a:rPr lang="de-DE" sz="1600" b="1" cap="small" dirty="0"/>
-              <a:t>Visi</a:t>
-            </a:r>
-            <a:r>
-              <a:rPr lang="de-DE" sz="1600" cap="small" dirty="0"/>
-              <a:t>o</a:t>
+              <a:t>Visio</a:t>
             </a:r>
             <a:r>
               <a:rPr lang="de-DE" sz="1600" b="0" cap="small" dirty="0"/>
@@ -2387,11 +2436,11 @@
             </a:r>
             <a:r>
               <a:rPr lang="de-DE" sz="1600" cap="small" dirty="0"/>
-              <a:t> </a:t>
+              <a:t> O</a:t>
             </a:r>
             <a:r>
               <a:rPr lang="de-DE" sz="1600" b="0" cap="small" dirty="0"/>
-              <a:t>Of</a:t>
+              <a:t>f</a:t>
             </a:r>
             <a:r>
               <a:rPr lang="de-DE" sz="1600" cap="small" dirty="0"/>
@@ -3213,7 +3262,7 @@
                     <a:schemeClr val="bg1"/>
                   </a:solidFill>
                 </a:rPr>
-                <a:t>Eine von Ihnen vorbereitete Unterrichtslektion (15 min) wird durch IHRE eigenen Augen beobachtet &amp; reflektiert.</a:t>
+                <a:t>Eine von Dir vorbereitete Unterrichtslektion (15 min) wird durch DEINE eigenen Augen beobachtet &amp; reflektiert.</a:t>
               </a:r>
             </a:p>
           </p:txBody>
@@ -3232,8 +3281,8 @@
           </p:nvSpPr>
           <p:spPr>
             <a:xfrm>
-              <a:off x="4381512" y="9085234"/>
-              <a:ext cx="5673176" cy="1109084"/>
+              <a:off x="4381511" y="9085234"/>
+              <a:ext cx="5803548" cy="1109084"/>
             </a:xfrm>
             <a:prstGeom prst="rect">
               <a:avLst/>
@@ -3278,7 +3327,7 @@
                     <a:schemeClr val="bg1"/>
                   </a:solidFill>
                 </a:rPr>
-                <a:t>Ihr Blickverhalten wird während der Lektion mit einer Eye-Tracking-Brille aufgezeichnet. Anschließend schauen wir uns Ihr Video gemeinsam an.</a:t>
+                <a:t>Dein Blickverhalten wird während der Lektion mit einer Eye-Tracking-Brille aufgezeichnet. Anschließend schauen wir uns Dein Video gemeinsam an.</a:t>
               </a:r>
               <a:endParaRPr lang="de-DE" sz="900" dirty="0"/>
             </a:p>
@@ -4468,7 +4517,7 @@
             <a:pPr algn="ctr"/>
             <a:r>
               <a:rPr lang="de-DE" sz="2400" dirty="0"/>
-              <a:t>Du studierst Lehramt &amp; hast Lust, dich in einem entspannten Unterrichtssetting mal auszuprobieren &amp; persönliches Feedback zu deinen Blick- &amp; Verhaltensmustern zu bekommen? </a:t>
+              <a:t>Du studierst Lehramt &amp; hast Lust, Dich in einem entspannten Unterrichtssetting mal auszuprobieren &amp; persönliches Feedback zu Deinen Blick- &amp; Verhaltensmustern zu bekommen? </a:t>
             </a:r>
           </a:p>
           <a:p>

--- a/01_studies/01_Laborstudie ProVisioNET/Akquise/ProVisioNET_Poster_Studierende.pptx
+++ b/01_studies/01_Laborstudie ProVisioNET/Akquise/ProVisioNET_Poster_Studierende.pptx
@@ -136,28 +136,36 @@
 <file path=ppt/changesInfos/changesInfo1.xml><?xml version="1.0" encoding="utf-8"?>
 <pc:chgInfo xmlns:a="http://schemas.openxmlformats.org/drawingml/2006/main" xmlns:r="http://schemas.openxmlformats.org/officeDocument/2006/relationships" xmlns:ac="http://schemas.microsoft.com/office/drawing/2013/main/command" xmlns:pc="http://schemas.microsoft.com/office/powerpoint/2013/main/command">
   <pc:docChgLst>
-    <pc:chgData userId="505858402c07da9d" providerId="LiveId" clId="{4F17A4D1-C972-4AFE-9081-EEF19070C400}"/>
-    <pc:docChg chg="undo custSel modSld modMainMaster">
-      <pc:chgData name="" userId="505858402c07da9d" providerId="LiveId" clId="{4F17A4D1-C972-4AFE-9081-EEF19070C400}" dt="2022-01-11T19:55:03.554" v="226" actId="1076"/>
+    <pc:chgData userId="505858402c07da9d" providerId="LiveId" clId="{2B99A1CA-6445-4F57-9B48-160486D821A6}"/>
+    <pc:docChg chg="modSld">
+      <pc:chgData name="" userId="505858402c07da9d" providerId="LiveId" clId="{2B99A1CA-6445-4F57-9B48-160486D821A6}" dt="2022-01-28T11:20:54.733" v="40" actId="14100"/>
       <pc:docMkLst>
         <pc:docMk/>
       </pc:docMkLst>
-      <pc:sldChg chg="addSp delSp modSp">
-        <pc:chgData name="" userId="505858402c07da9d" providerId="LiveId" clId="{4F17A4D1-C972-4AFE-9081-EEF19070C400}" dt="2022-01-11T19:55:03.554" v="226" actId="1076"/>
+      <pc:sldChg chg="modSp">
+        <pc:chgData name="" userId="505858402c07da9d" providerId="LiveId" clId="{2B99A1CA-6445-4F57-9B48-160486D821A6}" dt="2022-01-28T11:20:54.733" v="40" actId="14100"/>
         <pc:sldMkLst>
           <pc:docMk/>
           <pc:sldMk cId="226598215" sldId="261"/>
         </pc:sldMkLst>
-        <pc:spChg chg="add mod">
-          <ac:chgData name="" userId="505858402c07da9d" providerId="LiveId" clId="{4F17A4D1-C972-4AFE-9081-EEF19070C400}" dt="2022-01-11T19:55:03.554" v="226" actId="1076"/>
+        <pc:spChg chg="mod">
+          <ac:chgData name="" userId="505858402c07da9d" providerId="LiveId" clId="{2B99A1CA-6445-4F57-9B48-160486D821A6}" dt="2022-01-28T10:18:21.111" v="4" actId="113"/>
           <ac:spMkLst>
             <pc:docMk/>
             <pc:sldMk cId="226598215" sldId="261"/>
-            <ac:spMk id="3" creationId="{31C6EF15-1C3D-4BAB-A554-3E4D62180E46}"/>
+            <ac:spMk id="2" creationId="{00000000-0000-0000-0000-000000000000}"/>
           </ac:spMkLst>
         </pc:spChg>
         <pc:spChg chg="mod">
-          <ac:chgData name="" userId="505858402c07da9d" providerId="LiveId" clId="{4F17A4D1-C972-4AFE-9081-EEF19070C400}" dt="2022-01-11T19:47:45.989" v="2" actId="2711"/>
+          <ac:chgData name="" userId="505858402c07da9d" providerId="LiveId" clId="{2B99A1CA-6445-4F57-9B48-160486D821A6}" dt="2022-01-28T11:20:11.701" v="12" actId="20577"/>
+          <ac:spMkLst>
+            <pc:docMk/>
+            <pc:sldMk cId="226598215" sldId="261"/>
+            <ac:spMk id="13" creationId="{7D4361A0-E5D6-4B0C-9BA5-3CA2BC237867}"/>
+          </ac:spMkLst>
+        </pc:spChg>
+        <pc:spChg chg="mod">
+          <ac:chgData name="" userId="505858402c07da9d" providerId="LiveId" clId="{2B99A1CA-6445-4F57-9B48-160486D821A6}" dt="2022-01-28T11:20:33.596" v="38" actId="20577"/>
           <ac:spMkLst>
             <pc:docMk/>
             <pc:sldMk cId="226598215" sldId="261"/>
@@ -165,79 +173,14 @@
           </ac:spMkLst>
         </pc:spChg>
         <pc:spChg chg="mod">
-          <ac:chgData name="" userId="505858402c07da9d" providerId="LiveId" clId="{4F17A4D1-C972-4AFE-9081-EEF19070C400}" dt="2022-01-11T19:47:58.891" v="4" actId="20578"/>
+          <ac:chgData name="" userId="505858402c07da9d" providerId="LiveId" clId="{2B99A1CA-6445-4F57-9B48-160486D821A6}" dt="2022-01-28T11:20:54.733" v="40" actId="14100"/>
           <ac:spMkLst>
             <pc:docMk/>
             <pc:sldMk cId="226598215" sldId="261"/>
-            <ac:spMk id="51" creationId="{3BF0570F-E94C-493C-AD2F-F6801332E4CC}"/>
+            <ac:spMk id="21" creationId="{E1195A21-97D8-408A-A55B-932B6E711E0F}"/>
           </ac:spMkLst>
         </pc:spChg>
-        <pc:spChg chg="del mod">
-          <ac:chgData name="" userId="505858402c07da9d" providerId="LiveId" clId="{4F17A4D1-C972-4AFE-9081-EEF19070C400}" dt="2022-01-11T19:54:16.305" v="183" actId="478"/>
-          <ac:spMkLst>
-            <pc:docMk/>
-            <pc:sldMk cId="226598215" sldId="261"/>
-            <ac:spMk id="105" creationId="{5A17AC99-9B73-499C-AD7A-E657A22D0796}"/>
-          </ac:spMkLst>
-        </pc:spChg>
-        <pc:grpChg chg="mod">
-          <ac:chgData name="" userId="505858402c07da9d" providerId="LiveId" clId="{4F17A4D1-C972-4AFE-9081-EEF19070C400}" dt="2022-01-11T19:47:58.891" v="4" actId="20578"/>
-          <ac:grpSpMkLst>
-            <pc:docMk/>
-            <pc:sldMk cId="226598215" sldId="261"/>
-            <ac:grpSpMk id="104" creationId="{1625A990-2F40-4DFD-932B-58E06204BE37}"/>
-          </ac:grpSpMkLst>
-        </pc:grpChg>
-        <pc:picChg chg="mod">
-          <ac:chgData name="" userId="505858402c07da9d" providerId="LiveId" clId="{4F17A4D1-C972-4AFE-9081-EEF19070C400}" dt="2022-01-11T19:55:01.022" v="225" actId="1076"/>
-          <ac:picMkLst>
-            <pc:docMk/>
-            <pc:sldMk cId="226598215" sldId="261"/>
-            <ac:picMk id="60" creationId="{561C2D10-D1A9-4A02-A69A-4AE8CE28A630}"/>
-          </ac:picMkLst>
-        </pc:picChg>
-        <pc:picChg chg="mod">
-          <ac:chgData name="" userId="505858402c07da9d" providerId="LiveId" clId="{4F17A4D1-C972-4AFE-9081-EEF19070C400}" dt="2022-01-11T19:54:56.733" v="224" actId="1076"/>
-          <ac:picMkLst>
-            <pc:docMk/>
-            <pc:sldMk cId="226598215" sldId="261"/>
-            <ac:picMk id="62" creationId="{946449AD-7144-416D-9698-141888AB8A4F}"/>
-          </ac:picMkLst>
-        </pc:picChg>
       </pc:sldChg>
-      <pc:sldMasterChg chg="modSldLayout">
-        <pc:chgData name="" userId="505858402c07da9d" providerId="LiveId" clId="{4F17A4D1-C972-4AFE-9081-EEF19070C400}" dt="2022-01-11T19:51:21.191" v="11" actId="167"/>
-        <pc:sldMasterMkLst>
-          <pc:docMk/>
-          <pc:sldMasterMk cId="934604204" sldId="2147483660"/>
-        </pc:sldMasterMkLst>
-        <pc:sldLayoutChg chg="modSp">
-          <pc:chgData name="" userId="505858402c07da9d" providerId="LiveId" clId="{4F17A4D1-C972-4AFE-9081-EEF19070C400}" dt="2022-01-11T19:51:21.191" v="11" actId="167"/>
-          <pc:sldLayoutMkLst>
-            <pc:docMk/>
-            <pc:sldMasterMk cId="934604204" sldId="2147483660"/>
-            <pc:sldLayoutMk cId="3996351328" sldId="2147483661"/>
-          </pc:sldLayoutMkLst>
-          <pc:picChg chg="mod ord">
-            <ac:chgData name="" userId="505858402c07da9d" providerId="LiveId" clId="{4F17A4D1-C972-4AFE-9081-EEF19070C400}" dt="2022-01-11T19:51:21.191" v="11" actId="167"/>
-            <ac:picMkLst>
-              <pc:docMk/>
-              <pc:sldMasterMk cId="934604204" sldId="2147483660"/>
-              <pc:sldLayoutMk cId="3996351328" sldId="2147483661"/>
-              <ac:picMk id="10" creationId="{9E465BD7-2AF0-4F36-B79E-0BB36B313455}"/>
-            </ac:picMkLst>
-          </pc:picChg>
-          <pc:picChg chg="ord">
-            <ac:chgData name="" userId="505858402c07da9d" providerId="LiveId" clId="{4F17A4D1-C972-4AFE-9081-EEF19070C400}" dt="2022-01-11T19:51:11.730" v="6" actId="167"/>
-            <ac:picMkLst>
-              <pc:docMk/>
-              <pc:sldMasterMk cId="934604204" sldId="2147483660"/>
-              <pc:sldLayoutMk cId="3996351328" sldId="2147483661"/>
-              <ac:picMk id="12" creationId="{00000000-0000-0000-0000-000000000000}"/>
-            </ac:picMkLst>
-          </pc:picChg>
-        </pc:sldLayoutChg>
-      </pc:sldMasterChg>
     </pc:docChg>
   </pc:docChgLst>
 </pc:chgInfo>
@@ -337,7 +280,7 @@
           <a:p>
             <a:fld id="{79037448-365F-4BC4-9AAC-969B1DF37587}" type="datetimeFigureOut">
               <a:rPr lang="de-DE" smtClean="0"/>
-              <a:t>11.01.2022</a:t>
+              <a:t>28.01.2022</a:t>
             </a:fld>
             <a:endParaRPr lang="de-DE"/>
           </a:p>
@@ -514,7 +457,7 @@
           <a:p>
             <a:fld id="{C300DDCA-42E4-48B0-9B7B-FE02D25AD1C8}" type="datetimeFigureOut">
               <a:rPr lang="de-DE" smtClean="0"/>
-              <a:t>11.01.2022</a:t>
+              <a:t>28.01.2022</a:t>
             </a:fld>
             <a:endParaRPr lang="de-DE"/>
           </a:p>
@@ -1862,41 +1805,6 @@
       </p:grpSpPr>
       <p:pic>
         <p:nvPicPr>
-          <p:cNvPr id="10" name="Grafik 9">
-            <a:extLst>
-              <a:ext uri="{FF2B5EF4-FFF2-40B4-BE49-F238E27FC236}">
-                <a16:creationId xmlns:a16="http://schemas.microsoft.com/office/drawing/2014/main" id="{9E465BD7-2AF0-4F36-B79E-0BB36B313455}"/>
-              </a:ext>
-            </a:extLst>
-          </p:cNvPr>
-          <p:cNvPicPr>
-            <a:picLocks noChangeAspect="1"/>
-          </p:cNvPicPr>
-          <p:nvPr userDrawn="1"/>
-        </p:nvPicPr>
-        <p:blipFill rotWithShape="1">
-          <a:blip r:embed="rId2">
-            <a:extLst>
-              <a:ext uri="{28A0092B-C50C-407E-A947-70E740481C1C}">
-                <a14:useLocalDpi xmlns:a14="http://schemas.microsoft.com/office/drawing/2010/main" val="0"/>
-              </a:ext>
-            </a:extLst>
-          </a:blip>
-          <a:srcRect t="8610" b="5818"/>
-          <a:stretch/>
-        </p:blipFill>
-        <p:spPr>
-          <a:xfrm>
-            <a:off x="4621930" y="13553954"/>
-            <a:ext cx="3394273" cy="1565396"/>
-          </a:xfrm>
-          <a:prstGeom prst="rect">
-            <a:avLst/>
-          </a:prstGeom>
-        </p:spPr>
-      </p:pic>
-      <p:pic>
-        <p:nvPicPr>
           <p:cNvPr id="12" name="Grafik 11"/>
           <p:cNvPicPr>
             <a:picLocks noChangeAspect="1"/>
@@ -1904,7 +1812,7 @@
           <p:nvPr userDrawn="1"/>
         </p:nvPicPr>
         <p:blipFill rotWithShape="1">
-          <a:blip r:embed="rId3" cstate="print">
+          <a:blip r:embed="rId2" cstate="print">
             <a:duotone>
               <a:schemeClr val="accent4">
                 <a:shade val="45000"/>
@@ -1925,6 +1833,41 @@
           <a:xfrm>
             <a:off x="0" y="3423290"/>
             <a:ext cx="10691812" cy="11696060"/>
+          </a:xfrm>
+          <a:prstGeom prst="rect">
+            <a:avLst/>
+          </a:prstGeom>
+        </p:spPr>
+      </p:pic>
+      <p:pic>
+        <p:nvPicPr>
+          <p:cNvPr id="10" name="Grafik 9">
+            <a:extLst>
+              <a:ext uri="{FF2B5EF4-FFF2-40B4-BE49-F238E27FC236}">
+                <a16:creationId xmlns:a16="http://schemas.microsoft.com/office/drawing/2014/main" id="{9E465BD7-2AF0-4F36-B79E-0BB36B313455}"/>
+              </a:ext>
+            </a:extLst>
+          </p:cNvPr>
+          <p:cNvPicPr>
+            <a:picLocks noChangeAspect="1"/>
+          </p:cNvPicPr>
+          <p:nvPr userDrawn="1"/>
+        </p:nvPicPr>
+        <p:blipFill rotWithShape="1">
+          <a:blip r:embed="rId3" cstate="print">
+            <a:extLst>
+              <a:ext uri="{28A0092B-C50C-407E-A947-70E740481C1C}">
+                <a14:useLocalDpi xmlns:a14="http://schemas.microsoft.com/office/drawing/2010/main" val="0"/>
+              </a:ext>
+            </a:extLst>
+          </a:blip>
+          <a:srcRect t="8610" b="5818"/>
+          <a:stretch/>
+        </p:blipFill>
+        <p:spPr>
+          <a:xfrm>
+            <a:off x="4940714" y="13734099"/>
+            <a:ext cx="3003661" cy="1385251"/>
           </a:xfrm>
           <a:prstGeom prst="rect">
             <a:avLst/>
@@ -2485,11 +2428,7 @@
             </a:r>
             <a:r>
               <a:rPr lang="de-DE" sz="1600" b="1" cap="small" dirty="0"/>
-              <a:t>Visi</a:t>
-            </a:r>
-            <a:r>
-              <a:rPr lang="de-DE" sz="1600" cap="small" dirty="0"/>
-              <a:t>o</a:t>
+              <a:t>Visio</a:t>
             </a:r>
             <a:r>
               <a:rPr lang="de-DE" sz="1600" b="0" cap="small" dirty="0"/>
@@ -2497,11 +2436,11 @@
             </a:r>
             <a:r>
               <a:rPr lang="de-DE" sz="1600" cap="small" dirty="0"/>
-              <a:t> </a:t>
+              <a:t> O</a:t>
             </a:r>
             <a:r>
               <a:rPr lang="de-DE" sz="1600" b="0" cap="small" dirty="0"/>
-              <a:t>Of</a:t>
+              <a:t>f</a:t>
             </a:r>
             <a:r>
               <a:rPr lang="de-DE" sz="1600" cap="small" dirty="0"/>
@@ -3323,7 +3262,7 @@
                     <a:schemeClr val="bg1"/>
                   </a:solidFill>
                 </a:rPr>
-                <a:t>Eine von dir vorbereitete Unterrichtslektion (15 min) wird durch DEINE eigenen Augen beobachtet &amp; reflektiert.</a:t>
+                <a:t>Eine von Dir vorbereitete Unterrichtslektion (15 min) wird durch DEINE eigenen Augen beobachtet &amp; reflektiert.</a:t>
               </a:r>
             </a:p>
           </p:txBody>
@@ -3342,8 +3281,8 @@
           </p:nvSpPr>
           <p:spPr>
             <a:xfrm>
-              <a:off x="4381512" y="9085234"/>
-              <a:ext cx="5673176" cy="1109084"/>
+              <a:off x="4381511" y="9085234"/>
+              <a:ext cx="5803548" cy="1109084"/>
             </a:xfrm>
             <a:prstGeom prst="rect">
               <a:avLst/>
@@ -3388,7 +3327,7 @@
                     <a:schemeClr val="bg1"/>
                   </a:solidFill>
                 </a:rPr>
-                <a:t>Dein Blickverhalten wird während der Lektion mit einer Eye-Tracking-Brille aufgezeichnet. Anschließend schauen wir uns dein Video gemeinsam an.</a:t>
+                <a:t>Dein Blickverhalten wird während der Lektion mit einer Eye-Tracking-Brille aufgezeichnet. Anschließend schauen wir uns Dein Video gemeinsam an.</a:t>
               </a:r>
               <a:endParaRPr lang="de-DE" sz="900" dirty="0"/>
             </a:p>
@@ -4577,19 +4516,15 @@
           <a:p>
             <a:pPr algn="ctr"/>
             <a:r>
-              <a:rPr lang="de-DE" sz="2400" dirty="0">
-                <a:latin typeface="+mj-lt"/>
-              </a:rPr>
-              <a:t>Du studierst Lehramt &amp; hast Lust, dich in einem entspannten Unterrichtssetting mal auszuprobieren &amp; persönliches Feedback zu deinen Blick- &amp; Verhaltensmustern zu bekommen? </a:t>
+              <a:rPr lang="de-DE" sz="2400" dirty="0"/>
+              <a:t>Du studierst Lehramt &amp; hast Lust, Dich in einem entspannten Unterrichtssetting mal auszuprobieren &amp; persönliches Feedback zu Deinen Blick- &amp; Verhaltensmustern zu bekommen? </a:t>
             </a:r>
           </a:p>
           <a:p>
             <a:pPr algn="ctr"/>
             <a:r>
-              <a:rPr lang="de-DE" sz="2400" dirty="0">
-                <a:latin typeface="+mj-lt"/>
-              </a:rPr>
-              <a:t>Dann mach mit!</a:t>
+              <a:rPr lang="de-DE" sz="2400" dirty="0"/>
+              <a:t>Dann sei dabei!</a:t>
             </a:r>
           </a:p>
         </p:txBody>
@@ -4611,7 +4546,7 @@
         <p:spPr>
           <a:xfrm>
             <a:off x="0" y="3875558"/>
-            <a:ext cx="10630818" cy="44001"/>
+            <a:ext cx="10691813" cy="41670"/>
           </a:xfrm>
           <a:prstGeom prst="line">
             <a:avLst/>
@@ -4786,47 +4721,8 @@
         </p:blipFill>
         <p:spPr>
           <a:xfrm rot="10800000">
-            <a:off x="8011625" y="660903"/>
-            <a:ext cx="914400" cy="914400"/>
-          </a:xfrm>
-          <a:prstGeom prst="rect">
-            <a:avLst/>
-          </a:prstGeom>
-        </p:spPr>
-      </p:pic>
-      <p:pic>
-        <p:nvPicPr>
-          <p:cNvPr id="62" name="Grafik 61" descr="Zurück">
-            <a:extLst>
-              <a:ext uri="{FF2B5EF4-FFF2-40B4-BE49-F238E27FC236}">
-                <a16:creationId xmlns:a16="http://schemas.microsoft.com/office/drawing/2014/main" id="{946449AD-7144-416D-9698-141888AB8A4F}"/>
-              </a:ext>
-            </a:extLst>
-          </p:cNvPr>
-          <p:cNvPicPr>
-            <a:picLocks noChangeAspect="1"/>
-          </p:cNvPicPr>
-          <p:nvPr/>
-        </p:nvPicPr>
-        <p:blipFill>
-          <a:blip r:embed="rId11">
-            <a:extLst>
-              <a:ext uri="{28A0092B-C50C-407E-A947-70E740481C1C}">
-                <a14:useLocalDpi xmlns:a14="http://schemas.microsoft.com/office/drawing/2010/main" val="0"/>
-              </a:ext>
-              <a:ext uri="{96DAC541-7B7A-43D3-8B79-37D633B846F1}">
-                <asvg:svgBlip xmlns:asvg="http://schemas.microsoft.com/office/drawing/2016/SVG/main" r:embed="rId12"/>
-              </a:ext>
-            </a:extLst>
-          </a:blip>
-          <a:stretch>
-            <a:fillRect/>
-          </a:stretch>
-        </p:blipFill>
-        <p:spPr>
-          <a:xfrm rot="10800000">
-            <a:off x="6020187" y="12303750"/>
-            <a:ext cx="914400" cy="914400"/>
+            <a:off x="8201269" y="704107"/>
+            <a:ext cx="637651" cy="637651"/>
           </a:xfrm>
           <a:prstGeom prst="rect">
             <a:avLst/>
@@ -4849,8 +4745,8 @@
         </p:nvCxnSpPr>
         <p:spPr>
           <a:xfrm flipV="1">
-            <a:off x="9277818" y="13149076"/>
-            <a:ext cx="1433135" cy="1970274"/>
+            <a:off x="8361972" y="13984448"/>
+            <a:ext cx="2486535" cy="1148114"/>
           </a:xfrm>
           <a:prstGeom prst="line">
             <a:avLst/>
@@ -4894,8 +4790,8 @@
         </p:nvCxnSpPr>
         <p:spPr>
           <a:xfrm flipV="1">
-            <a:off x="9727596" y="13760788"/>
-            <a:ext cx="987367" cy="1342814"/>
+            <a:off x="9153059" y="14397542"/>
+            <a:ext cx="1557894" cy="735021"/>
           </a:xfrm>
           <a:prstGeom prst="line">
             <a:avLst/>
@@ -4923,12 +4819,70 @@
           </a:fontRef>
         </p:style>
       </p:cxnSp>
+      <p:sp>
+        <p:nvSpPr>
+          <p:cNvPr id="3" name="Pfeil: nach rechts 2">
+            <a:extLst>
+              <a:ext uri="{FF2B5EF4-FFF2-40B4-BE49-F238E27FC236}">
+                <a16:creationId xmlns:a16="http://schemas.microsoft.com/office/drawing/2014/main" id="{31C6EF15-1C3D-4BAB-A554-3E4D62180E46}"/>
+              </a:ext>
+            </a:extLst>
+          </p:cNvPr>
+          <p:cNvSpPr/>
+          <p:nvPr/>
+        </p:nvSpPr>
+        <p:spPr>
+          <a:xfrm>
+            <a:off x="3074389" y="11416983"/>
+            <a:ext cx="4464917" cy="1895296"/>
+          </a:xfrm>
+          <a:prstGeom prst="rightArrow">
+            <a:avLst>
+              <a:gd name="adj1" fmla="val 50000"/>
+              <a:gd name="adj2" fmla="val 41825"/>
+            </a:avLst>
+          </a:prstGeom>
+          <a:ln w="38100">
+            <a:solidFill>
+              <a:srgbClr val="88AEB8"/>
+            </a:solidFill>
+          </a:ln>
+        </p:spPr>
+        <p:style>
+          <a:lnRef idx="2">
+            <a:schemeClr val="accent4"/>
+          </a:lnRef>
+          <a:fillRef idx="1">
+            <a:schemeClr val="lt1"/>
+          </a:fillRef>
+          <a:effectRef idx="0">
+            <a:schemeClr val="accent4"/>
+          </a:effectRef>
+          <a:fontRef idx="minor">
+            <a:schemeClr val="dk1"/>
+          </a:fontRef>
+        </p:style>
+        <p:txBody>
+          <a:bodyPr wrap="square">
+            <a:spAutoFit/>
+          </a:bodyPr>
+          <a:lstStyle/>
+          <a:p>
+            <a:pPr algn="ctr"/>
+            <a:r>
+              <a:rPr lang="de-DE" sz="2800" b="1" dirty="0"/>
+              <a:t>QR Code scannen &amp; Mail abschicken!</a:t>
+            </a:r>
+            <a:endParaRPr lang="de-DE" sz="2400" b="1" dirty="0"/>
+          </a:p>
+        </p:txBody>
+      </p:sp>
       <p:pic>
         <p:nvPicPr>
-          <p:cNvPr id="60" name="Grafik 59">
+          <p:cNvPr id="35" name="Grafik 34">
             <a:extLst>
               <a:ext uri="{FF2B5EF4-FFF2-40B4-BE49-F238E27FC236}">
-                <a16:creationId xmlns:a16="http://schemas.microsoft.com/office/drawing/2014/main" id="{561C2D10-D1A9-4A02-A69A-4AE8CE28A630}"/>
+                <a16:creationId xmlns:a16="http://schemas.microsoft.com/office/drawing/2014/main" id="{1460CB39-706C-44CA-AE0A-520B72A9035D}"/>
               </a:ext>
             </a:extLst>
           </p:cNvPr>
@@ -4951,49 +4905,19 @@
         </p:blipFill>
         <p:spPr>
           <a:xfrm>
-            <a:off x="7439622" y="11072604"/>
-            <a:ext cx="2554763" cy="2554763"/>
+            <a:off x="7782189" y="11245485"/>
+            <a:ext cx="2469904" cy="2469904"/>
           </a:xfrm>
           <a:prstGeom prst="rect">
             <a:avLst/>
           </a:prstGeom>
+          <a:ln w="28575">
+            <a:solidFill>
+              <a:srgbClr val="D64242"/>
+            </a:solidFill>
+          </a:ln>
         </p:spPr>
       </p:pic>
-      <p:sp>
-        <p:nvSpPr>
-          <p:cNvPr id="3" name="Rechteck 2">
-            <a:extLst>
-              <a:ext uri="{FF2B5EF4-FFF2-40B4-BE49-F238E27FC236}">
-                <a16:creationId xmlns:a16="http://schemas.microsoft.com/office/drawing/2014/main" id="{31C6EF15-1C3D-4BAB-A554-3E4D62180E46}"/>
-              </a:ext>
-            </a:extLst>
-          </p:cNvPr>
-          <p:cNvSpPr/>
-          <p:nvPr/>
-        </p:nvSpPr>
-        <p:spPr>
-          <a:xfrm>
-            <a:off x="4459266" y="11585615"/>
-            <a:ext cx="2656496" cy="707886"/>
-          </a:xfrm>
-          <a:prstGeom prst="rect">
-            <a:avLst/>
-          </a:prstGeom>
-        </p:spPr>
-        <p:txBody>
-          <a:bodyPr wrap="none">
-            <a:spAutoFit/>
-          </a:bodyPr>
-          <a:lstStyle/>
-          <a:p>
-            <a:r>
-              <a:rPr lang="de-DE" sz="4000" b="1" dirty="0"/>
-              <a:t>Sei dabei!</a:t>
-            </a:r>
-            <a:endParaRPr lang="de-DE" sz="3600" b="1" dirty="0"/>
-          </a:p>
-        </p:txBody>
-      </p:sp>
     </p:spTree>
     <p:extLst>
       <p:ext uri="{BB962C8B-B14F-4D97-AF65-F5344CB8AC3E}">
